--- a/Calendario2022/Presentaciones/Presentaciones/IR_MediosComunicacion.pptx
+++ b/Calendario2022/Presentaciones/Presentaciones/IR_MediosComunicacion.pptx
@@ -235,7 +235,7 @@
           <a:p>
             <a:fld id="{2D445F07-8756-451B-A938-0248325FC7BB}" type="datetimeFigureOut">
               <a:rPr lang="es-MX" smtClean="0"/>
-              <a:t>01/04/2022</a:t>
+              <a:t>20/04/2022</a:t>
             </a:fld>
             <a:endParaRPr lang="es-MX" dirty="0"/>
           </a:p>
@@ -1773,7 +1773,7 @@
           <a:p>
             <a:fld id="{5E75A0DC-66C6-4CEC-A5EB-F8C97CEC3796}" type="datetimeFigureOut">
               <a:rPr lang="es-MX" smtClean="0"/>
-              <a:t>01/04/2022</a:t>
+              <a:t>20/04/2022</a:t>
             </a:fld>
             <a:endParaRPr lang="es-MX" dirty="0"/>
           </a:p>
@@ -1943,7 +1943,7 @@
           <a:p>
             <a:fld id="{5E75A0DC-66C6-4CEC-A5EB-F8C97CEC3796}" type="datetimeFigureOut">
               <a:rPr lang="es-MX" smtClean="0"/>
-              <a:t>01/04/2022</a:t>
+              <a:t>20/04/2022</a:t>
             </a:fld>
             <a:endParaRPr lang="es-MX" dirty="0"/>
           </a:p>
@@ -2123,7 +2123,7 @@
           <a:p>
             <a:fld id="{5E75A0DC-66C6-4CEC-A5EB-F8C97CEC3796}" type="datetimeFigureOut">
               <a:rPr lang="es-MX" smtClean="0"/>
-              <a:t>01/04/2022</a:t>
+              <a:t>20/04/2022</a:t>
             </a:fld>
             <a:endParaRPr lang="es-MX" dirty="0"/>
           </a:p>
@@ -2364,7 +2364,7 @@
           <a:p>
             <a:fld id="{1D8BD707-D9CF-40AE-B4C6-C98DA3205C09}" type="datetimeFigureOut">
               <a:rPr lang="en-US"/>
-              <a:t>4/1/2022</a:t>
+              <a:t>4/20/2022</a:t>
             </a:fld>
             <a:endParaRPr lang="en-US"/>
           </a:p>
@@ -2829,7 +2829,7 @@
           <a:p>
             <a:fld id="{5E75A0DC-66C6-4CEC-A5EB-F8C97CEC3796}" type="datetimeFigureOut">
               <a:rPr lang="es-MX" smtClean="0"/>
-              <a:t>01/04/2022</a:t>
+              <a:t>20/04/2022</a:t>
             </a:fld>
             <a:endParaRPr lang="es-MX" dirty="0"/>
           </a:p>
@@ -3075,7 +3075,7 @@
           <a:p>
             <a:fld id="{5E75A0DC-66C6-4CEC-A5EB-F8C97CEC3796}" type="datetimeFigureOut">
               <a:rPr lang="es-MX" smtClean="0"/>
-              <a:t>01/04/2022</a:t>
+              <a:t>20/04/2022</a:t>
             </a:fld>
             <a:endParaRPr lang="es-MX" dirty="0"/>
           </a:p>
@@ -3363,7 +3363,7 @@
           <a:p>
             <a:fld id="{5E75A0DC-66C6-4CEC-A5EB-F8C97CEC3796}" type="datetimeFigureOut">
               <a:rPr lang="es-MX" smtClean="0"/>
-              <a:t>01/04/2022</a:t>
+              <a:t>20/04/2022</a:t>
             </a:fld>
             <a:endParaRPr lang="es-MX" dirty="0"/>
           </a:p>
@@ -3785,7 +3785,7 @@
           <a:p>
             <a:fld id="{5E75A0DC-66C6-4CEC-A5EB-F8C97CEC3796}" type="datetimeFigureOut">
               <a:rPr lang="es-MX" smtClean="0"/>
-              <a:t>01/04/2022</a:t>
+              <a:t>20/04/2022</a:t>
             </a:fld>
             <a:endParaRPr lang="es-MX" dirty="0"/>
           </a:p>
@@ -3903,7 +3903,7 @@
           <a:p>
             <a:fld id="{5E75A0DC-66C6-4CEC-A5EB-F8C97CEC3796}" type="datetimeFigureOut">
               <a:rPr lang="es-MX" smtClean="0"/>
-              <a:t>01/04/2022</a:t>
+              <a:t>20/04/2022</a:t>
             </a:fld>
             <a:endParaRPr lang="es-MX" dirty="0"/>
           </a:p>
@@ -3998,7 +3998,7 @@
           <a:p>
             <a:fld id="{5E75A0DC-66C6-4CEC-A5EB-F8C97CEC3796}" type="datetimeFigureOut">
               <a:rPr lang="es-MX" smtClean="0"/>
-              <a:t>01/04/2022</a:t>
+              <a:t>20/04/2022</a:t>
             </a:fld>
             <a:endParaRPr lang="es-MX" dirty="0"/>
           </a:p>
@@ -4275,7 +4275,7 @@
           <a:p>
             <a:fld id="{5E75A0DC-66C6-4CEC-A5EB-F8C97CEC3796}" type="datetimeFigureOut">
               <a:rPr lang="es-MX" smtClean="0"/>
-              <a:t>01/04/2022</a:t>
+              <a:t>20/04/2022</a:t>
             </a:fld>
             <a:endParaRPr lang="es-MX" dirty="0"/>
           </a:p>
@@ -4528,7 +4528,7 @@
           <a:p>
             <a:fld id="{5E75A0DC-66C6-4CEC-A5EB-F8C97CEC3796}" type="datetimeFigureOut">
               <a:rPr lang="es-MX" smtClean="0"/>
-              <a:t>01/04/2022</a:t>
+              <a:t>20/04/2022</a:t>
             </a:fld>
             <a:endParaRPr lang="es-MX" dirty="0"/>
           </a:p>
@@ -4741,7 +4741,7 @@
           <a:p>
             <a:fld id="{5E75A0DC-66C6-4CEC-A5EB-F8C97CEC3796}" type="datetimeFigureOut">
               <a:rPr lang="es-MX" smtClean="0"/>
-              <a:t>01/04/2022</a:t>
+              <a:t>20/04/2022</a:t>
             </a:fld>
             <a:endParaRPr lang="es-MX" dirty="0"/>
           </a:p>
@@ -21237,27 +21237,7 @@
                   </a:schemeClr>
                 </a:solidFill>
               </a:rPr>
-              <a:t> y puede cubrir un </a:t>
-            </a:r>
-            <a:r>
-              <a:rPr lang="es-ES" sz="1400" dirty="0" err="1">
-                <a:solidFill>
-                  <a:schemeClr val="bg2">
-                    <a:lumMod val="25000"/>
-                  </a:schemeClr>
-                </a:solidFill>
-              </a:rPr>
-              <a:t>ampli</a:t>
-            </a:r>
-            <a:r>
-              <a:rPr lang="es-ES" sz="1400" dirty="0">
-                <a:solidFill>
-                  <a:schemeClr val="bg2">
-                    <a:lumMod val="25000"/>
-                  </a:schemeClr>
-                </a:solidFill>
-              </a:rPr>
-              <a:t>-o espacio de espectro terrestre. </a:t>
+              <a:t> y puede cubrir un amplio espacio de espectro terrestre. </a:t>
             </a:r>
             <a:endParaRPr lang="es-MX" sz="1400" dirty="0">
               <a:solidFill>
@@ -21725,8 +21705,17 @@
                 <a:latin typeface="Arial" panose="020B0604020202020204" pitchFamily="34" charset="0"/>
                 <a:cs typeface="Arial" panose="020B0604020202020204" pitchFamily="34" charset="0"/>
               </a:rPr>
-              <a:t>Estándar IEEE 802.15 </a:t>
-            </a:r>
+              <a:t>Estándar IEEE 802.15</a:t>
+            </a:r>
+          </a:p>
+          <a:p>
+            <a:pPr marL="285750" indent="-285750">
+              <a:lnSpc>
+                <a:spcPct val="150000"/>
+              </a:lnSpc>
+              <a:buFont typeface="Arial" panose="020B0604020202020204" pitchFamily="34" charset="0"/>
+              <a:buChar char="•"/>
+            </a:pPr>
             <a:r>
               <a:rPr lang="es-ES" sz="2000" b="1" dirty="0" err="1">
                 <a:latin typeface="Arial" panose="020B0604020202020204" pitchFamily="34" charset="0"/>
